--- a/ppt 16-9/0380.给怀疑的你.pptx
+++ b/ppt 16-9/0380.给怀疑的你.pptx
@@ -5,7 +5,7 @@
     <p:sldMasterId id="2147483648" r:id="rId1"/>
   </p:sldMasterIdLst>
   <p:sldIdLst>
-    <p:sldId id="3299" r:id="rId2"/>
+    <p:sldId id="3301" r:id="rId2"/>
   </p:sldIdLst>
   <p:sldSz cx="12192000" cy="6858000"/>
   <p:notesSz cx="6858000" cy="9144000"/>
@@ -129,7 +129,7 @@
           <p:cNvPr id="2" name="标题 1">
             <a:extLst>
               <a:ext uri="{FF2B5EF4-FFF2-40B4-BE49-F238E27FC236}">
-                <a16:creationId xmlns:a16="http://schemas.microsoft.com/office/drawing/2014/main" id="{223E0151-14B2-C134-C2B4-47645D8388C5}"/>
+                <a16:creationId xmlns:a16="http://schemas.microsoft.com/office/drawing/2014/main" id="{7768B4C4-BCDA-A877-33DD-6E46F2A86064}"/>
               </a:ext>
             </a:extLst>
           </p:cNvPr>
@@ -166,7 +166,7 @@
           <p:cNvPr id="3" name="副标题 2">
             <a:extLst>
               <a:ext uri="{FF2B5EF4-FFF2-40B4-BE49-F238E27FC236}">
-                <a16:creationId xmlns:a16="http://schemas.microsoft.com/office/drawing/2014/main" id="{91CDC99A-591E-641C-7F6E-7747CECE2F3B}"/>
+                <a16:creationId xmlns:a16="http://schemas.microsoft.com/office/drawing/2014/main" id="{FD519AD9-EDC8-3673-2144-4C89FCDD2C01}"/>
               </a:ext>
             </a:extLst>
           </p:cNvPr>
@@ -236,7 +236,7 @@
           <p:cNvPr id="4" name="日期占位符 3">
             <a:extLst>
               <a:ext uri="{FF2B5EF4-FFF2-40B4-BE49-F238E27FC236}">
-                <a16:creationId xmlns:a16="http://schemas.microsoft.com/office/drawing/2014/main" id="{C0D1817E-7307-F341-4970-F7303CD729C6}"/>
+                <a16:creationId xmlns:a16="http://schemas.microsoft.com/office/drawing/2014/main" id="{8D1D3DAF-1376-00BC-B8B0-7DB4BE756CD9}"/>
               </a:ext>
             </a:extLst>
           </p:cNvPr>
@@ -252,7 +252,7 @@
           <a:bodyPr/>
           <a:lstStyle/>
           <a:p>
-            <a:fld id="{7E08E43C-C53B-40C3-A414-53885298771D}" type="datetimeFigureOut">
+            <a:fld id="{96BBECC2-4C27-4148-9599-593057B069AB}" type="datetimeFigureOut">
               <a:rPr lang="zh-CN" altLang="en-US" smtClean="0"/>
               <a:t>2024/3/10</a:t>
             </a:fld>
@@ -265,7 +265,7 @@
           <p:cNvPr id="5" name="页脚占位符 4">
             <a:extLst>
               <a:ext uri="{FF2B5EF4-FFF2-40B4-BE49-F238E27FC236}">
-                <a16:creationId xmlns:a16="http://schemas.microsoft.com/office/drawing/2014/main" id="{0FE11D3D-194B-AF90-EF68-8398C2D0D70E}"/>
+                <a16:creationId xmlns:a16="http://schemas.microsoft.com/office/drawing/2014/main" id="{F8C94766-C49B-0906-561B-4E031DA6A813}"/>
               </a:ext>
             </a:extLst>
           </p:cNvPr>
@@ -290,7 +290,7 @@
           <p:cNvPr id="6" name="灯片编号占位符 5">
             <a:extLst>
               <a:ext uri="{FF2B5EF4-FFF2-40B4-BE49-F238E27FC236}">
-                <a16:creationId xmlns:a16="http://schemas.microsoft.com/office/drawing/2014/main" id="{6AE51BC0-22E0-F9E5-45EE-1714CC8C8F7E}"/>
+                <a16:creationId xmlns:a16="http://schemas.microsoft.com/office/drawing/2014/main" id="{1AA78ACB-D62F-BC19-5117-3C3AA14A6627}"/>
               </a:ext>
             </a:extLst>
           </p:cNvPr>
@@ -306,7 +306,7 @@
           <a:bodyPr/>
           <a:lstStyle/>
           <a:p>
-            <a:fld id="{A0F68656-C00B-4205-AFE1-6D822C58585F}" type="slidenum">
+            <a:fld id="{AC303D7D-BC81-4C93-B979-EC5D05680773}" type="slidenum">
               <a:rPr lang="zh-CN" altLang="en-US" smtClean="0"/>
               <a:t>‹#›</a:t>
             </a:fld>
@@ -317,7 +317,7 @@
     </p:spTree>
     <p:extLst>
       <p:ext uri="{BB962C8B-B14F-4D97-AF65-F5344CB8AC3E}">
-        <p14:creationId xmlns:p14="http://schemas.microsoft.com/office/powerpoint/2010/main" val="2176989884"/>
+        <p14:creationId xmlns:p14="http://schemas.microsoft.com/office/powerpoint/2010/main" val="1690774471"/>
       </p:ext>
     </p:extLst>
   </p:cSld>
@@ -349,7 +349,7 @@
           <p:cNvPr id="2" name="标题 1">
             <a:extLst>
               <a:ext uri="{FF2B5EF4-FFF2-40B4-BE49-F238E27FC236}">
-                <a16:creationId xmlns:a16="http://schemas.microsoft.com/office/drawing/2014/main" id="{BDE42513-8885-B443-E03D-986DE51354A8}"/>
+                <a16:creationId xmlns:a16="http://schemas.microsoft.com/office/drawing/2014/main" id="{7EC11F6E-1C08-D69B-83C0-1C6DA8B3C261}"/>
               </a:ext>
             </a:extLst>
           </p:cNvPr>
@@ -377,7 +377,7 @@
           <p:cNvPr id="3" name="竖排文字占位符 2">
             <a:extLst>
               <a:ext uri="{FF2B5EF4-FFF2-40B4-BE49-F238E27FC236}">
-                <a16:creationId xmlns:a16="http://schemas.microsoft.com/office/drawing/2014/main" id="{0ADF0385-FBFF-8D10-63C8-B28122C831B8}"/>
+                <a16:creationId xmlns:a16="http://schemas.microsoft.com/office/drawing/2014/main" id="{9EF0DE0C-D9EA-415F-0C3C-6A44056A7BB2}"/>
               </a:ext>
             </a:extLst>
           </p:cNvPr>
@@ -434,7 +434,7 @@
           <p:cNvPr id="4" name="日期占位符 3">
             <a:extLst>
               <a:ext uri="{FF2B5EF4-FFF2-40B4-BE49-F238E27FC236}">
-                <a16:creationId xmlns:a16="http://schemas.microsoft.com/office/drawing/2014/main" id="{C11AD8E6-E420-9B55-672B-BB86ABD98C37}"/>
+                <a16:creationId xmlns:a16="http://schemas.microsoft.com/office/drawing/2014/main" id="{325B9A1E-D408-D270-5E0B-19EE487064CD}"/>
               </a:ext>
             </a:extLst>
           </p:cNvPr>
@@ -450,7 +450,7 @@
           <a:bodyPr/>
           <a:lstStyle/>
           <a:p>
-            <a:fld id="{7E08E43C-C53B-40C3-A414-53885298771D}" type="datetimeFigureOut">
+            <a:fld id="{96BBECC2-4C27-4148-9599-593057B069AB}" type="datetimeFigureOut">
               <a:rPr lang="zh-CN" altLang="en-US" smtClean="0"/>
               <a:t>2024/3/10</a:t>
             </a:fld>
@@ -463,7 +463,7 @@
           <p:cNvPr id="5" name="页脚占位符 4">
             <a:extLst>
               <a:ext uri="{FF2B5EF4-FFF2-40B4-BE49-F238E27FC236}">
-                <a16:creationId xmlns:a16="http://schemas.microsoft.com/office/drawing/2014/main" id="{31F42A6D-C7B9-7A90-ED86-20E0A6CD659D}"/>
+                <a16:creationId xmlns:a16="http://schemas.microsoft.com/office/drawing/2014/main" id="{0EF9E85B-2C03-915A-EB43-1A68BF1CDCC2}"/>
               </a:ext>
             </a:extLst>
           </p:cNvPr>
@@ -488,7 +488,7 @@
           <p:cNvPr id="6" name="灯片编号占位符 5">
             <a:extLst>
               <a:ext uri="{FF2B5EF4-FFF2-40B4-BE49-F238E27FC236}">
-                <a16:creationId xmlns:a16="http://schemas.microsoft.com/office/drawing/2014/main" id="{66E2580D-F444-460E-53B5-72C7B5DD26FF}"/>
+                <a16:creationId xmlns:a16="http://schemas.microsoft.com/office/drawing/2014/main" id="{0C812AE7-7F31-D3A9-5D38-4204F9EE8A8B}"/>
               </a:ext>
             </a:extLst>
           </p:cNvPr>
@@ -504,7 +504,7 @@
           <a:bodyPr/>
           <a:lstStyle/>
           <a:p>
-            <a:fld id="{A0F68656-C00B-4205-AFE1-6D822C58585F}" type="slidenum">
+            <a:fld id="{AC303D7D-BC81-4C93-B979-EC5D05680773}" type="slidenum">
               <a:rPr lang="zh-CN" altLang="en-US" smtClean="0"/>
               <a:t>‹#›</a:t>
             </a:fld>
@@ -515,7 +515,7 @@
     </p:spTree>
     <p:extLst>
       <p:ext uri="{BB962C8B-B14F-4D97-AF65-F5344CB8AC3E}">
-        <p14:creationId xmlns:p14="http://schemas.microsoft.com/office/powerpoint/2010/main" val="2765837472"/>
+        <p14:creationId xmlns:p14="http://schemas.microsoft.com/office/powerpoint/2010/main" val="739075600"/>
       </p:ext>
     </p:extLst>
   </p:cSld>
@@ -547,7 +547,7 @@
           <p:cNvPr id="2" name="竖排标题 1">
             <a:extLst>
               <a:ext uri="{FF2B5EF4-FFF2-40B4-BE49-F238E27FC236}">
-                <a16:creationId xmlns:a16="http://schemas.microsoft.com/office/drawing/2014/main" id="{97E57914-50C1-F972-81EB-69B3FDA7A73F}"/>
+                <a16:creationId xmlns:a16="http://schemas.microsoft.com/office/drawing/2014/main" id="{9021B2AF-C769-C32E-0AEB-66099162A4E9}"/>
               </a:ext>
             </a:extLst>
           </p:cNvPr>
@@ -580,7 +580,7 @@
           <p:cNvPr id="3" name="竖排文字占位符 2">
             <a:extLst>
               <a:ext uri="{FF2B5EF4-FFF2-40B4-BE49-F238E27FC236}">
-                <a16:creationId xmlns:a16="http://schemas.microsoft.com/office/drawing/2014/main" id="{42F79BBD-8D23-DECC-2166-D51DDD4EDBCC}"/>
+                <a16:creationId xmlns:a16="http://schemas.microsoft.com/office/drawing/2014/main" id="{CC31891B-1F15-B012-58AE-52E1D54EA390}"/>
               </a:ext>
             </a:extLst>
           </p:cNvPr>
@@ -642,7 +642,7 @@
           <p:cNvPr id="4" name="日期占位符 3">
             <a:extLst>
               <a:ext uri="{FF2B5EF4-FFF2-40B4-BE49-F238E27FC236}">
-                <a16:creationId xmlns:a16="http://schemas.microsoft.com/office/drawing/2014/main" id="{020B0B02-FEA2-72AF-762F-DB1F44A95520}"/>
+                <a16:creationId xmlns:a16="http://schemas.microsoft.com/office/drawing/2014/main" id="{CF3D622B-5596-C91C-6E14-90B6A10C3AAD}"/>
               </a:ext>
             </a:extLst>
           </p:cNvPr>
@@ -658,7 +658,7 @@
           <a:bodyPr/>
           <a:lstStyle/>
           <a:p>
-            <a:fld id="{7E08E43C-C53B-40C3-A414-53885298771D}" type="datetimeFigureOut">
+            <a:fld id="{96BBECC2-4C27-4148-9599-593057B069AB}" type="datetimeFigureOut">
               <a:rPr lang="zh-CN" altLang="en-US" smtClean="0"/>
               <a:t>2024/3/10</a:t>
             </a:fld>
@@ -671,7 +671,7 @@
           <p:cNvPr id="5" name="页脚占位符 4">
             <a:extLst>
               <a:ext uri="{FF2B5EF4-FFF2-40B4-BE49-F238E27FC236}">
-                <a16:creationId xmlns:a16="http://schemas.microsoft.com/office/drawing/2014/main" id="{8ACCED44-37EB-FAFA-12B1-1D3AE8D79662}"/>
+                <a16:creationId xmlns:a16="http://schemas.microsoft.com/office/drawing/2014/main" id="{A44B245F-FEDA-8C8F-9BC2-0B98170CBCF3}"/>
               </a:ext>
             </a:extLst>
           </p:cNvPr>
@@ -696,7 +696,7 @@
           <p:cNvPr id="6" name="灯片编号占位符 5">
             <a:extLst>
               <a:ext uri="{FF2B5EF4-FFF2-40B4-BE49-F238E27FC236}">
-                <a16:creationId xmlns:a16="http://schemas.microsoft.com/office/drawing/2014/main" id="{FEE28816-E5E5-2A8F-54D6-C4FA6F6C10D5}"/>
+                <a16:creationId xmlns:a16="http://schemas.microsoft.com/office/drawing/2014/main" id="{36562A5A-5ECE-6F93-1353-FD829D4E466D}"/>
               </a:ext>
             </a:extLst>
           </p:cNvPr>
@@ -712,7 +712,7 @@
           <a:bodyPr/>
           <a:lstStyle/>
           <a:p>
-            <a:fld id="{A0F68656-C00B-4205-AFE1-6D822C58585F}" type="slidenum">
+            <a:fld id="{AC303D7D-BC81-4C93-B979-EC5D05680773}" type="slidenum">
               <a:rPr lang="zh-CN" altLang="en-US" smtClean="0"/>
               <a:t>‹#›</a:t>
             </a:fld>
@@ -723,7 +723,7 @@
     </p:spTree>
     <p:extLst>
       <p:ext uri="{BB962C8B-B14F-4D97-AF65-F5344CB8AC3E}">
-        <p14:creationId xmlns:p14="http://schemas.microsoft.com/office/powerpoint/2010/main" val="3715639231"/>
+        <p14:creationId xmlns:p14="http://schemas.microsoft.com/office/powerpoint/2010/main" val="4145367587"/>
       </p:ext>
     </p:extLst>
   </p:cSld>
@@ -755,7 +755,7 @@
           <p:cNvPr id="2" name="标题 1">
             <a:extLst>
               <a:ext uri="{FF2B5EF4-FFF2-40B4-BE49-F238E27FC236}">
-                <a16:creationId xmlns:a16="http://schemas.microsoft.com/office/drawing/2014/main" id="{D134F385-4FF7-3D96-871C-D4491B50C43F}"/>
+                <a16:creationId xmlns:a16="http://schemas.microsoft.com/office/drawing/2014/main" id="{B0FF1F92-EC70-7970-FCFB-9987D6C302E9}"/>
               </a:ext>
             </a:extLst>
           </p:cNvPr>
@@ -783,7 +783,7 @@
           <p:cNvPr id="3" name="内容占位符 2">
             <a:extLst>
               <a:ext uri="{FF2B5EF4-FFF2-40B4-BE49-F238E27FC236}">
-                <a16:creationId xmlns:a16="http://schemas.microsoft.com/office/drawing/2014/main" id="{443C6759-5771-E317-686E-8436209D8B3C}"/>
+                <a16:creationId xmlns:a16="http://schemas.microsoft.com/office/drawing/2014/main" id="{44C72A55-AEAB-0EA4-D56A-9E23F0B4FB12}"/>
               </a:ext>
             </a:extLst>
           </p:cNvPr>
@@ -840,7 +840,7 @@
           <p:cNvPr id="4" name="日期占位符 3">
             <a:extLst>
               <a:ext uri="{FF2B5EF4-FFF2-40B4-BE49-F238E27FC236}">
-                <a16:creationId xmlns:a16="http://schemas.microsoft.com/office/drawing/2014/main" id="{99A4BF30-C605-E583-7C3A-83EEE0EE609D}"/>
+                <a16:creationId xmlns:a16="http://schemas.microsoft.com/office/drawing/2014/main" id="{14A222F1-80FF-2416-C537-D8F2272D835D}"/>
               </a:ext>
             </a:extLst>
           </p:cNvPr>
@@ -856,7 +856,7 @@
           <a:bodyPr/>
           <a:lstStyle/>
           <a:p>
-            <a:fld id="{7E08E43C-C53B-40C3-A414-53885298771D}" type="datetimeFigureOut">
+            <a:fld id="{96BBECC2-4C27-4148-9599-593057B069AB}" type="datetimeFigureOut">
               <a:rPr lang="zh-CN" altLang="en-US" smtClean="0"/>
               <a:t>2024/3/10</a:t>
             </a:fld>
@@ -869,7 +869,7 @@
           <p:cNvPr id="5" name="页脚占位符 4">
             <a:extLst>
               <a:ext uri="{FF2B5EF4-FFF2-40B4-BE49-F238E27FC236}">
-                <a16:creationId xmlns:a16="http://schemas.microsoft.com/office/drawing/2014/main" id="{7CD22872-45D9-7CA3-9A49-474CC03D4568}"/>
+                <a16:creationId xmlns:a16="http://schemas.microsoft.com/office/drawing/2014/main" id="{A7AC6B4C-B8DE-9749-4E95-90DD5445BE2D}"/>
               </a:ext>
             </a:extLst>
           </p:cNvPr>
@@ -894,7 +894,7 @@
           <p:cNvPr id="6" name="灯片编号占位符 5">
             <a:extLst>
               <a:ext uri="{FF2B5EF4-FFF2-40B4-BE49-F238E27FC236}">
-                <a16:creationId xmlns:a16="http://schemas.microsoft.com/office/drawing/2014/main" id="{044FEBE0-C2B6-EFA1-7C99-A7585CB39C2D}"/>
+                <a16:creationId xmlns:a16="http://schemas.microsoft.com/office/drawing/2014/main" id="{BE90801A-7A51-555F-28F5-8908EADB4DCB}"/>
               </a:ext>
             </a:extLst>
           </p:cNvPr>
@@ -910,7 +910,7 @@
           <a:bodyPr/>
           <a:lstStyle/>
           <a:p>
-            <a:fld id="{A0F68656-C00B-4205-AFE1-6D822C58585F}" type="slidenum">
+            <a:fld id="{AC303D7D-BC81-4C93-B979-EC5D05680773}" type="slidenum">
               <a:rPr lang="zh-CN" altLang="en-US" smtClean="0"/>
               <a:t>‹#›</a:t>
             </a:fld>
@@ -921,7 +921,7 @@
     </p:spTree>
     <p:extLst>
       <p:ext uri="{BB962C8B-B14F-4D97-AF65-F5344CB8AC3E}">
-        <p14:creationId xmlns:p14="http://schemas.microsoft.com/office/powerpoint/2010/main" val="696947377"/>
+        <p14:creationId xmlns:p14="http://schemas.microsoft.com/office/powerpoint/2010/main" val="4160297921"/>
       </p:ext>
     </p:extLst>
   </p:cSld>
@@ -953,7 +953,7 @@
           <p:cNvPr id="2" name="标题 1">
             <a:extLst>
               <a:ext uri="{FF2B5EF4-FFF2-40B4-BE49-F238E27FC236}">
-                <a16:creationId xmlns:a16="http://schemas.microsoft.com/office/drawing/2014/main" id="{00D46AF2-6D80-E5E0-CF76-0997DB9545D9}"/>
+                <a16:creationId xmlns:a16="http://schemas.microsoft.com/office/drawing/2014/main" id="{B4DA6E6C-3508-FBB3-95A8-CBA2E09390F9}"/>
               </a:ext>
             </a:extLst>
           </p:cNvPr>
@@ -990,7 +990,7 @@
           <p:cNvPr id="3" name="文本占位符 2">
             <a:extLst>
               <a:ext uri="{FF2B5EF4-FFF2-40B4-BE49-F238E27FC236}">
-                <a16:creationId xmlns:a16="http://schemas.microsoft.com/office/drawing/2014/main" id="{B648A934-FFDE-C337-C7F4-152C6DC25AA8}"/>
+                <a16:creationId xmlns:a16="http://schemas.microsoft.com/office/drawing/2014/main" id="{763217F7-6C74-F4DA-689B-D65C7877B29C}"/>
               </a:ext>
             </a:extLst>
           </p:cNvPr>
@@ -1115,7 +1115,7 @@
           <p:cNvPr id="4" name="日期占位符 3">
             <a:extLst>
               <a:ext uri="{FF2B5EF4-FFF2-40B4-BE49-F238E27FC236}">
-                <a16:creationId xmlns:a16="http://schemas.microsoft.com/office/drawing/2014/main" id="{EAD2721A-FDE4-E3C0-60F3-3AFF4E0E801D}"/>
+                <a16:creationId xmlns:a16="http://schemas.microsoft.com/office/drawing/2014/main" id="{6066416D-D688-030E-0AA3-C835CCA78420}"/>
               </a:ext>
             </a:extLst>
           </p:cNvPr>
@@ -1131,7 +1131,7 @@
           <a:bodyPr/>
           <a:lstStyle/>
           <a:p>
-            <a:fld id="{7E08E43C-C53B-40C3-A414-53885298771D}" type="datetimeFigureOut">
+            <a:fld id="{96BBECC2-4C27-4148-9599-593057B069AB}" type="datetimeFigureOut">
               <a:rPr lang="zh-CN" altLang="en-US" smtClean="0"/>
               <a:t>2024/3/10</a:t>
             </a:fld>
@@ -1144,7 +1144,7 @@
           <p:cNvPr id="5" name="页脚占位符 4">
             <a:extLst>
               <a:ext uri="{FF2B5EF4-FFF2-40B4-BE49-F238E27FC236}">
-                <a16:creationId xmlns:a16="http://schemas.microsoft.com/office/drawing/2014/main" id="{A56A0F44-30F8-FFEE-BDC5-9B6364546A67}"/>
+                <a16:creationId xmlns:a16="http://schemas.microsoft.com/office/drawing/2014/main" id="{591E5F97-E2E5-DE75-22AC-B10192E72598}"/>
               </a:ext>
             </a:extLst>
           </p:cNvPr>
@@ -1169,7 +1169,7 @@
           <p:cNvPr id="6" name="灯片编号占位符 5">
             <a:extLst>
               <a:ext uri="{FF2B5EF4-FFF2-40B4-BE49-F238E27FC236}">
-                <a16:creationId xmlns:a16="http://schemas.microsoft.com/office/drawing/2014/main" id="{65F5C3AE-4D58-E5C3-2B11-59EA729B3E4B}"/>
+                <a16:creationId xmlns:a16="http://schemas.microsoft.com/office/drawing/2014/main" id="{A6F11708-12CE-B654-9747-BA9AB06E22B3}"/>
               </a:ext>
             </a:extLst>
           </p:cNvPr>
@@ -1185,7 +1185,7 @@
           <a:bodyPr/>
           <a:lstStyle/>
           <a:p>
-            <a:fld id="{A0F68656-C00B-4205-AFE1-6D822C58585F}" type="slidenum">
+            <a:fld id="{AC303D7D-BC81-4C93-B979-EC5D05680773}" type="slidenum">
               <a:rPr lang="zh-CN" altLang="en-US" smtClean="0"/>
               <a:t>‹#›</a:t>
             </a:fld>
@@ -1196,7 +1196,7 @@
     </p:spTree>
     <p:extLst>
       <p:ext uri="{BB962C8B-B14F-4D97-AF65-F5344CB8AC3E}">
-        <p14:creationId xmlns:p14="http://schemas.microsoft.com/office/powerpoint/2010/main" val="3080860585"/>
+        <p14:creationId xmlns:p14="http://schemas.microsoft.com/office/powerpoint/2010/main" val="4194874896"/>
       </p:ext>
     </p:extLst>
   </p:cSld>
@@ -1228,7 +1228,7 @@
           <p:cNvPr id="2" name="标题 1">
             <a:extLst>
               <a:ext uri="{FF2B5EF4-FFF2-40B4-BE49-F238E27FC236}">
-                <a16:creationId xmlns:a16="http://schemas.microsoft.com/office/drawing/2014/main" id="{EF460C81-969A-BC5F-10B8-CD6549B0401E}"/>
+                <a16:creationId xmlns:a16="http://schemas.microsoft.com/office/drawing/2014/main" id="{ABB8DF81-E9A2-F23D-EED2-2557ADF1F8EB}"/>
               </a:ext>
             </a:extLst>
           </p:cNvPr>
@@ -1256,7 +1256,7 @@
           <p:cNvPr id="3" name="内容占位符 2">
             <a:extLst>
               <a:ext uri="{FF2B5EF4-FFF2-40B4-BE49-F238E27FC236}">
-                <a16:creationId xmlns:a16="http://schemas.microsoft.com/office/drawing/2014/main" id="{785A3E51-5211-8795-A41C-4394BBDC3EB2}"/>
+                <a16:creationId xmlns:a16="http://schemas.microsoft.com/office/drawing/2014/main" id="{B1B898A9-8559-1D03-62D9-AA254D805D73}"/>
               </a:ext>
             </a:extLst>
           </p:cNvPr>
@@ -1318,7 +1318,7 @@
           <p:cNvPr id="4" name="内容占位符 3">
             <a:extLst>
               <a:ext uri="{FF2B5EF4-FFF2-40B4-BE49-F238E27FC236}">
-                <a16:creationId xmlns:a16="http://schemas.microsoft.com/office/drawing/2014/main" id="{6A685B23-9AED-F3CE-7ADC-747431AFBD5F}"/>
+                <a16:creationId xmlns:a16="http://schemas.microsoft.com/office/drawing/2014/main" id="{AB93F75B-8D9F-7FFB-BFA4-7382473351B1}"/>
               </a:ext>
             </a:extLst>
           </p:cNvPr>
@@ -1380,7 +1380,7 @@
           <p:cNvPr id="5" name="日期占位符 4">
             <a:extLst>
               <a:ext uri="{FF2B5EF4-FFF2-40B4-BE49-F238E27FC236}">
-                <a16:creationId xmlns:a16="http://schemas.microsoft.com/office/drawing/2014/main" id="{63B198F0-F218-7F6A-A120-15044E3DD873}"/>
+                <a16:creationId xmlns:a16="http://schemas.microsoft.com/office/drawing/2014/main" id="{B1017FF0-407B-BB00-BA60-200E56613438}"/>
               </a:ext>
             </a:extLst>
           </p:cNvPr>
@@ -1396,7 +1396,7 @@
           <a:bodyPr/>
           <a:lstStyle/>
           <a:p>
-            <a:fld id="{7E08E43C-C53B-40C3-A414-53885298771D}" type="datetimeFigureOut">
+            <a:fld id="{96BBECC2-4C27-4148-9599-593057B069AB}" type="datetimeFigureOut">
               <a:rPr lang="zh-CN" altLang="en-US" smtClean="0"/>
               <a:t>2024/3/10</a:t>
             </a:fld>
@@ -1409,7 +1409,7 @@
           <p:cNvPr id="6" name="页脚占位符 5">
             <a:extLst>
               <a:ext uri="{FF2B5EF4-FFF2-40B4-BE49-F238E27FC236}">
-                <a16:creationId xmlns:a16="http://schemas.microsoft.com/office/drawing/2014/main" id="{A489ED27-B25F-80B1-AC93-DC99EA1D23CD}"/>
+                <a16:creationId xmlns:a16="http://schemas.microsoft.com/office/drawing/2014/main" id="{EEBFB9F3-C3AC-62FF-2588-58F37013A3BF}"/>
               </a:ext>
             </a:extLst>
           </p:cNvPr>
@@ -1434,7 +1434,7 @@
           <p:cNvPr id="7" name="灯片编号占位符 6">
             <a:extLst>
               <a:ext uri="{FF2B5EF4-FFF2-40B4-BE49-F238E27FC236}">
-                <a16:creationId xmlns:a16="http://schemas.microsoft.com/office/drawing/2014/main" id="{ABCA5F55-58C5-D425-E3A9-1C701D815394}"/>
+                <a16:creationId xmlns:a16="http://schemas.microsoft.com/office/drawing/2014/main" id="{5395A7D6-76B0-4EA0-D22E-FF54C6E9F6F6}"/>
               </a:ext>
             </a:extLst>
           </p:cNvPr>
@@ -1450,7 +1450,7 @@
           <a:bodyPr/>
           <a:lstStyle/>
           <a:p>
-            <a:fld id="{A0F68656-C00B-4205-AFE1-6D822C58585F}" type="slidenum">
+            <a:fld id="{AC303D7D-BC81-4C93-B979-EC5D05680773}" type="slidenum">
               <a:rPr lang="zh-CN" altLang="en-US" smtClean="0"/>
               <a:t>‹#›</a:t>
             </a:fld>
@@ -1461,7 +1461,7 @@
     </p:spTree>
     <p:extLst>
       <p:ext uri="{BB962C8B-B14F-4D97-AF65-F5344CB8AC3E}">
-        <p14:creationId xmlns:p14="http://schemas.microsoft.com/office/powerpoint/2010/main" val="537976897"/>
+        <p14:creationId xmlns:p14="http://schemas.microsoft.com/office/powerpoint/2010/main" val="500387225"/>
       </p:ext>
     </p:extLst>
   </p:cSld>
@@ -1493,7 +1493,7 @@
           <p:cNvPr id="2" name="标题 1">
             <a:extLst>
               <a:ext uri="{FF2B5EF4-FFF2-40B4-BE49-F238E27FC236}">
-                <a16:creationId xmlns:a16="http://schemas.microsoft.com/office/drawing/2014/main" id="{D2FB1ECF-2C2A-528C-78C0-D540336D9213}"/>
+                <a16:creationId xmlns:a16="http://schemas.microsoft.com/office/drawing/2014/main" id="{56DEAD6B-F3E5-9D97-5B9B-54977C74BE54}"/>
               </a:ext>
             </a:extLst>
           </p:cNvPr>
@@ -1526,7 +1526,7 @@
           <p:cNvPr id="3" name="文本占位符 2">
             <a:extLst>
               <a:ext uri="{FF2B5EF4-FFF2-40B4-BE49-F238E27FC236}">
-                <a16:creationId xmlns:a16="http://schemas.microsoft.com/office/drawing/2014/main" id="{B61C46A2-8E0B-4403-08DC-AA30E5667307}"/>
+                <a16:creationId xmlns:a16="http://schemas.microsoft.com/office/drawing/2014/main" id="{22EE51AF-A373-7E4D-9641-AE6ECFD8743F}"/>
               </a:ext>
             </a:extLst>
           </p:cNvPr>
@@ -1597,7 +1597,7 @@
           <p:cNvPr id="4" name="内容占位符 3">
             <a:extLst>
               <a:ext uri="{FF2B5EF4-FFF2-40B4-BE49-F238E27FC236}">
-                <a16:creationId xmlns:a16="http://schemas.microsoft.com/office/drawing/2014/main" id="{BF2BB498-10D8-B5BF-5DF4-61B4ED79595A}"/>
+                <a16:creationId xmlns:a16="http://schemas.microsoft.com/office/drawing/2014/main" id="{02BD6773-43AE-30A3-A95E-013B04509A5D}"/>
               </a:ext>
             </a:extLst>
           </p:cNvPr>
@@ -1659,7 +1659,7 @@
           <p:cNvPr id="5" name="文本占位符 4">
             <a:extLst>
               <a:ext uri="{FF2B5EF4-FFF2-40B4-BE49-F238E27FC236}">
-                <a16:creationId xmlns:a16="http://schemas.microsoft.com/office/drawing/2014/main" id="{ABC6245A-758B-F619-D638-FB37E10E5857}"/>
+                <a16:creationId xmlns:a16="http://schemas.microsoft.com/office/drawing/2014/main" id="{CF9E08E5-AA34-1D1E-7B77-BE39DA52DB49}"/>
               </a:ext>
             </a:extLst>
           </p:cNvPr>
@@ -1730,7 +1730,7 @@
           <p:cNvPr id="6" name="内容占位符 5">
             <a:extLst>
               <a:ext uri="{FF2B5EF4-FFF2-40B4-BE49-F238E27FC236}">
-                <a16:creationId xmlns:a16="http://schemas.microsoft.com/office/drawing/2014/main" id="{ABB702AB-DAE8-9DAE-3B68-A7A0D33FCABE}"/>
+                <a16:creationId xmlns:a16="http://schemas.microsoft.com/office/drawing/2014/main" id="{72C40C9C-6289-706C-17C4-89AA3D70436C}"/>
               </a:ext>
             </a:extLst>
           </p:cNvPr>
@@ -1792,7 +1792,7 @@
           <p:cNvPr id="7" name="日期占位符 6">
             <a:extLst>
               <a:ext uri="{FF2B5EF4-FFF2-40B4-BE49-F238E27FC236}">
-                <a16:creationId xmlns:a16="http://schemas.microsoft.com/office/drawing/2014/main" id="{222D3D6A-6AE5-DC46-2DEB-82741AF3ED2A}"/>
+                <a16:creationId xmlns:a16="http://schemas.microsoft.com/office/drawing/2014/main" id="{2858C38D-EE23-4778-C565-93D66164444C}"/>
               </a:ext>
             </a:extLst>
           </p:cNvPr>
@@ -1808,7 +1808,7 @@
           <a:bodyPr/>
           <a:lstStyle/>
           <a:p>
-            <a:fld id="{7E08E43C-C53B-40C3-A414-53885298771D}" type="datetimeFigureOut">
+            <a:fld id="{96BBECC2-4C27-4148-9599-593057B069AB}" type="datetimeFigureOut">
               <a:rPr lang="zh-CN" altLang="en-US" smtClean="0"/>
               <a:t>2024/3/10</a:t>
             </a:fld>
@@ -1821,7 +1821,7 @@
           <p:cNvPr id="8" name="页脚占位符 7">
             <a:extLst>
               <a:ext uri="{FF2B5EF4-FFF2-40B4-BE49-F238E27FC236}">
-                <a16:creationId xmlns:a16="http://schemas.microsoft.com/office/drawing/2014/main" id="{28DAD0A0-F481-3AE7-21CF-07E344799388}"/>
+                <a16:creationId xmlns:a16="http://schemas.microsoft.com/office/drawing/2014/main" id="{AEB8DA72-9C5E-CC90-9C29-2A9475DC9D3F}"/>
               </a:ext>
             </a:extLst>
           </p:cNvPr>
@@ -1846,7 +1846,7 @@
           <p:cNvPr id="9" name="灯片编号占位符 8">
             <a:extLst>
               <a:ext uri="{FF2B5EF4-FFF2-40B4-BE49-F238E27FC236}">
-                <a16:creationId xmlns:a16="http://schemas.microsoft.com/office/drawing/2014/main" id="{CED7CE8D-CDD5-F66A-5FF0-16C02DE554F0}"/>
+                <a16:creationId xmlns:a16="http://schemas.microsoft.com/office/drawing/2014/main" id="{35ED8262-B5A6-606C-97A5-51A9E80CA766}"/>
               </a:ext>
             </a:extLst>
           </p:cNvPr>
@@ -1862,7 +1862,7 @@
           <a:bodyPr/>
           <a:lstStyle/>
           <a:p>
-            <a:fld id="{A0F68656-C00B-4205-AFE1-6D822C58585F}" type="slidenum">
+            <a:fld id="{AC303D7D-BC81-4C93-B979-EC5D05680773}" type="slidenum">
               <a:rPr lang="zh-CN" altLang="en-US" smtClean="0"/>
               <a:t>‹#›</a:t>
             </a:fld>
@@ -1873,7 +1873,7 @@
     </p:spTree>
     <p:extLst>
       <p:ext uri="{BB962C8B-B14F-4D97-AF65-F5344CB8AC3E}">
-        <p14:creationId xmlns:p14="http://schemas.microsoft.com/office/powerpoint/2010/main" val="4208085037"/>
+        <p14:creationId xmlns:p14="http://schemas.microsoft.com/office/powerpoint/2010/main" val="3184517183"/>
       </p:ext>
     </p:extLst>
   </p:cSld>
@@ -1905,7 +1905,7 @@
           <p:cNvPr id="2" name="标题 1">
             <a:extLst>
               <a:ext uri="{FF2B5EF4-FFF2-40B4-BE49-F238E27FC236}">
-                <a16:creationId xmlns:a16="http://schemas.microsoft.com/office/drawing/2014/main" id="{C6428B71-BB15-8458-A3ED-906CA31C0129}"/>
+                <a16:creationId xmlns:a16="http://schemas.microsoft.com/office/drawing/2014/main" id="{A90E1C25-32BD-BE3A-0DBB-276F9640D6A8}"/>
               </a:ext>
             </a:extLst>
           </p:cNvPr>
@@ -1933,7 +1933,7 @@
           <p:cNvPr id="3" name="日期占位符 2">
             <a:extLst>
               <a:ext uri="{FF2B5EF4-FFF2-40B4-BE49-F238E27FC236}">
-                <a16:creationId xmlns:a16="http://schemas.microsoft.com/office/drawing/2014/main" id="{E89CB43D-28AF-6E43-5976-BF198D86C107}"/>
+                <a16:creationId xmlns:a16="http://schemas.microsoft.com/office/drawing/2014/main" id="{35C67383-0B3E-A2F0-147B-2F9EEB33A201}"/>
               </a:ext>
             </a:extLst>
           </p:cNvPr>
@@ -1949,7 +1949,7 @@
           <a:bodyPr/>
           <a:lstStyle/>
           <a:p>
-            <a:fld id="{7E08E43C-C53B-40C3-A414-53885298771D}" type="datetimeFigureOut">
+            <a:fld id="{96BBECC2-4C27-4148-9599-593057B069AB}" type="datetimeFigureOut">
               <a:rPr lang="zh-CN" altLang="en-US" smtClean="0"/>
               <a:t>2024/3/10</a:t>
             </a:fld>
@@ -1962,7 +1962,7 @@
           <p:cNvPr id="4" name="页脚占位符 3">
             <a:extLst>
               <a:ext uri="{FF2B5EF4-FFF2-40B4-BE49-F238E27FC236}">
-                <a16:creationId xmlns:a16="http://schemas.microsoft.com/office/drawing/2014/main" id="{FF62617C-B22F-BBA3-4E23-AB195DFBE4DA}"/>
+                <a16:creationId xmlns:a16="http://schemas.microsoft.com/office/drawing/2014/main" id="{B67073AF-4B0C-CB5D-2D4E-C81A4B6D5092}"/>
               </a:ext>
             </a:extLst>
           </p:cNvPr>
@@ -1987,7 +1987,7 @@
           <p:cNvPr id="5" name="灯片编号占位符 4">
             <a:extLst>
               <a:ext uri="{FF2B5EF4-FFF2-40B4-BE49-F238E27FC236}">
-                <a16:creationId xmlns:a16="http://schemas.microsoft.com/office/drawing/2014/main" id="{59649B28-0760-ABE1-0CAD-97D50F67204E}"/>
+                <a16:creationId xmlns:a16="http://schemas.microsoft.com/office/drawing/2014/main" id="{EE7700E4-E082-3F30-1A5F-95B5CF3158F4}"/>
               </a:ext>
             </a:extLst>
           </p:cNvPr>
@@ -2003,7 +2003,7 @@
           <a:bodyPr/>
           <a:lstStyle/>
           <a:p>
-            <a:fld id="{A0F68656-C00B-4205-AFE1-6D822C58585F}" type="slidenum">
+            <a:fld id="{AC303D7D-BC81-4C93-B979-EC5D05680773}" type="slidenum">
               <a:rPr lang="zh-CN" altLang="en-US" smtClean="0"/>
               <a:t>‹#›</a:t>
             </a:fld>
@@ -2014,7 +2014,7 @@
     </p:spTree>
     <p:extLst>
       <p:ext uri="{BB962C8B-B14F-4D97-AF65-F5344CB8AC3E}">
-        <p14:creationId xmlns:p14="http://schemas.microsoft.com/office/powerpoint/2010/main" val="939596203"/>
+        <p14:creationId xmlns:p14="http://schemas.microsoft.com/office/powerpoint/2010/main" val="4287408564"/>
       </p:ext>
     </p:extLst>
   </p:cSld>
@@ -2046,7 +2046,7 @@
           <p:cNvPr id="2" name="日期占位符 1">
             <a:extLst>
               <a:ext uri="{FF2B5EF4-FFF2-40B4-BE49-F238E27FC236}">
-                <a16:creationId xmlns:a16="http://schemas.microsoft.com/office/drawing/2014/main" id="{D0A491E3-0394-A262-2C42-08BD28C785C9}"/>
+                <a16:creationId xmlns:a16="http://schemas.microsoft.com/office/drawing/2014/main" id="{B9879E12-544E-F938-AC4A-9F83617D7AFE}"/>
               </a:ext>
             </a:extLst>
           </p:cNvPr>
@@ -2062,7 +2062,7 @@
           <a:bodyPr/>
           <a:lstStyle/>
           <a:p>
-            <a:fld id="{7E08E43C-C53B-40C3-A414-53885298771D}" type="datetimeFigureOut">
+            <a:fld id="{96BBECC2-4C27-4148-9599-593057B069AB}" type="datetimeFigureOut">
               <a:rPr lang="zh-CN" altLang="en-US" smtClean="0"/>
               <a:t>2024/3/10</a:t>
             </a:fld>
@@ -2075,7 +2075,7 @@
           <p:cNvPr id="3" name="页脚占位符 2">
             <a:extLst>
               <a:ext uri="{FF2B5EF4-FFF2-40B4-BE49-F238E27FC236}">
-                <a16:creationId xmlns:a16="http://schemas.microsoft.com/office/drawing/2014/main" id="{A818A82A-017D-321B-2951-2230E9CAB820}"/>
+                <a16:creationId xmlns:a16="http://schemas.microsoft.com/office/drawing/2014/main" id="{46648FBE-2AF8-4079-A9DD-B92C56CBE244}"/>
               </a:ext>
             </a:extLst>
           </p:cNvPr>
@@ -2100,7 +2100,7 @@
           <p:cNvPr id="4" name="灯片编号占位符 3">
             <a:extLst>
               <a:ext uri="{FF2B5EF4-FFF2-40B4-BE49-F238E27FC236}">
-                <a16:creationId xmlns:a16="http://schemas.microsoft.com/office/drawing/2014/main" id="{9B04B702-2E86-C85E-9480-FB30C30FD6AB}"/>
+                <a16:creationId xmlns:a16="http://schemas.microsoft.com/office/drawing/2014/main" id="{BEDCA975-8800-EF9D-FFCB-4428EF14DE4F}"/>
               </a:ext>
             </a:extLst>
           </p:cNvPr>
@@ -2116,7 +2116,7 @@
           <a:bodyPr/>
           <a:lstStyle/>
           <a:p>
-            <a:fld id="{A0F68656-C00B-4205-AFE1-6D822C58585F}" type="slidenum">
+            <a:fld id="{AC303D7D-BC81-4C93-B979-EC5D05680773}" type="slidenum">
               <a:rPr lang="zh-CN" altLang="en-US" smtClean="0"/>
               <a:t>‹#›</a:t>
             </a:fld>
@@ -2127,7 +2127,7 @@
     </p:spTree>
     <p:extLst>
       <p:ext uri="{BB962C8B-B14F-4D97-AF65-F5344CB8AC3E}">
-        <p14:creationId xmlns:p14="http://schemas.microsoft.com/office/powerpoint/2010/main" val="1193695069"/>
+        <p14:creationId xmlns:p14="http://schemas.microsoft.com/office/powerpoint/2010/main" val="2756096996"/>
       </p:ext>
     </p:extLst>
   </p:cSld>
@@ -2159,7 +2159,7 @@
           <p:cNvPr id="2" name="标题 1">
             <a:extLst>
               <a:ext uri="{FF2B5EF4-FFF2-40B4-BE49-F238E27FC236}">
-                <a16:creationId xmlns:a16="http://schemas.microsoft.com/office/drawing/2014/main" id="{F7A5B7F0-6302-AC44-36B3-3039D1B2EF33}"/>
+                <a16:creationId xmlns:a16="http://schemas.microsoft.com/office/drawing/2014/main" id="{3723397B-EB10-55B1-DF47-ABCA69B5A81F}"/>
               </a:ext>
             </a:extLst>
           </p:cNvPr>
@@ -2196,7 +2196,7 @@
           <p:cNvPr id="3" name="内容占位符 2">
             <a:extLst>
               <a:ext uri="{FF2B5EF4-FFF2-40B4-BE49-F238E27FC236}">
-                <a16:creationId xmlns:a16="http://schemas.microsoft.com/office/drawing/2014/main" id="{F24996D4-69DD-262B-FE49-2813BFAF1E75}"/>
+                <a16:creationId xmlns:a16="http://schemas.microsoft.com/office/drawing/2014/main" id="{BAFD593E-A4BD-96D0-9199-E3605B552403}"/>
               </a:ext>
             </a:extLst>
           </p:cNvPr>
@@ -2286,7 +2286,7 @@
           <p:cNvPr id="4" name="文本占位符 3">
             <a:extLst>
               <a:ext uri="{FF2B5EF4-FFF2-40B4-BE49-F238E27FC236}">
-                <a16:creationId xmlns:a16="http://schemas.microsoft.com/office/drawing/2014/main" id="{C825DDE4-5C40-54DB-0B2B-1AAF3C62293C}"/>
+                <a16:creationId xmlns:a16="http://schemas.microsoft.com/office/drawing/2014/main" id="{3878B8AD-5FBA-08A7-C478-7F0099682EF3}"/>
               </a:ext>
             </a:extLst>
           </p:cNvPr>
@@ -2357,7 +2357,7 @@
           <p:cNvPr id="5" name="日期占位符 4">
             <a:extLst>
               <a:ext uri="{FF2B5EF4-FFF2-40B4-BE49-F238E27FC236}">
-                <a16:creationId xmlns:a16="http://schemas.microsoft.com/office/drawing/2014/main" id="{C5AE1F3C-3F41-DD62-B13A-19550A8CF55B}"/>
+                <a16:creationId xmlns:a16="http://schemas.microsoft.com/office/drawing/2014/main" id="{38028709-4707-71D3-CCF9-3B4C23B07A13}"/>
               </a:ext>
             </a:extLst>
           </p:cNvPr>
@@ -2373,7 +2373,7 @@
           <a:bodyPr/>
           <a:lstStyle/>
           <a:p>
-            <a:fld id="{7E08E43C-C53B-40C3-A414-53885298771D}" type="datetimeFigureOut">
+            <a:fld id="{96BBECC2-4C27-4148-9599-593057B069AB}" type="datetimeFigureOut">
               <a:rPr lang="zh-CN" altLang="en-US" smtClean="0"/>
               <a:t>2024/3/10</a:t>
             </a:fld>
@@ -2386,7 +2386,7 @@
           <p:cNvPr id="6" name="页脚占位符 5">
             <a:extLst>
               <a:ext uri="{FF2B5EF4-FFF2-40B4-BE49-F238E27FC236}">
-                <a16:creationId xmlns:a16="http://schemas.microsoft.com/office/drawing/2014/main" id="{C37CBEF0-42EB-54F6-D362-6CF55E424CDD}"/>
+                <a16:creationId xmlns:a16="http://schemas.microsoft.com/office/drawing/2014/main" id="{B0322C0A-EB24-9987-5218-FE7125ACABB6}"/>
               </a:ext>
             </a:extLst>
           </p:cNvPr>
@@ -2411,7 +2411,7 @@
           <p:cNvPr id="7" name="灯片编号占位符 6">
             <a:extLst>
               <a:ext uri="{FF2B5EF4-FFF2-40B4-BE49-F238E27FC236}">
-                <a16:creationId xmlns:a16="http://schemas.microsoft.com/office/drawing/2014/main" id="{F05D554C-418C-754B-6E5D-1FEB4FC34A77}"/>
+                <a16:creationId xmlns:a16="http://schemas.microsoft.com/office/drawing/2014/main" id="{3645986A-06B2-8AC3-6441-B06D88D40EC9}"/>
               </a:ext>
             </a:extLst>
           </p:cNvPr>
@@ -2427,7 +2427,7 @@
           <a:bodyPr/>
           <a:lstStyle/>
           <a:p>
-            <a:fld id="{A0F68656-C00B-4205-AFE1-6D822C58585F}" type="slidenum">
+            <a:fld id="{AC303D7D-BC81-4C93-B979-EC5D05680773}" type="slidenum">
               <a:rPr lang="zh-CN" altLang="en-US" smtClean="0"/>
               <a:t>‹#›</a:t>
             </a:fld>
@@ -2438,7 +2438,7 @@
     </p:spTree>
     <p:extLst>
       <p:ext uri="{BB962C8B-B14F-4D97-AF65-F5344CB8AC3E}">
-        <p14:creationId xmlns:p14="http://schemas.microsoft.com/office/powerpoint/2010/main" val="31206899"/>
+        <p14:creationId xmlns:p14="http://schemas.microsoft.com/office/powerpoint/2010/main" val="2854938781"/>
       </p:ext>
     </p:extLst>
   </p:cSld>
@@ -2470,7 +2470,7 @@
           <p:cNvPr id="2" name="标题 1">
             <a:extLst>
               <a:ext uri="{FF2B5EF4-FFF2-40B4-BE49-F238E27FC236}">
-                <a16:creationId xmlns:a16="http://schemas.microsoft.com/office/drawing/2014/main" id="{37B900DF-63B6-8888-0C41-CF311560887C}"/>
+                <a16:creationId xmlns:a16="http://schemas.microsoft.com/office/drawing/2014/main" id="{9BF24B5E-CBA7-8A56-1D1D-D6697CCCDB22}"/>
               </a:ext>
             </a:extLst>
           </p:cNvPr>
@@ -2507,7 +2507,7 @@
           <p:cNvPr id="3" name="图片占位符 2">
             <a:extLst>
               <a:ext uri="{FF2B5EF4-FFF2-40B4-BE49-F238E27FC236}">
-                <a16:creationId xmlns:a16="http://schemas.microsoft.com/office/drawing/2014/main" id="{86F41BCB-7DDD-C023-E7FF-B7DBA28C4314}"/>
+                <a16:creationId xmlns:a16="http://schemas.microsoft.com/office/drawing/2014/main" id="{D24D375E-5F5A-2511-2869-6E525B0E356B}"/>
               </a:ext>
             </a:extLst>
           </p:cNvPr>
@@ -2574,7 +2574,7 @@
           <p:cNvPr id="4" name="文本占位符 3">
             <a:extLst>
               <a:ext uri="{FF2B5EF4-FFF2-40B4-BE49-F238E27FC236}">
-                <a16:creationId xmlns:a16="http://schemas.microsoft.com/office/drawing/2014/main" id="{1A096237-5A09-DD96-1992-042F13591F06}"/>
+                <a16:creationId xmlns:a16="http://schemas.microsoft.com/office/drawing/2014/main" id="{8C0E7330-30E9-E9F2-9254-850249BE369D}"/>
               </a:ext>
             </a:extLst>
           </p:cNvPr>
@@ -2645,7 +2645,7 @@
           <p:cNvPr id="5" name="日期占位符 4">
             <a:extLst>
               <a:ext uri="{FF2B5EF4-FFF2-40B4-BE49-F238E27FC236}">
-                <a16:creationId xmlns:a16="http://schemas.microsoft.com/office/drawing/2014/main" id="{BF6AE2D5-B0D1-C521-B8B4-112BFEC62A7B}"/>
+                <a16:creationId xmlns:a16="http://schemas.microsoft.com/office/drawing/2014/main" id="{3631E28E-4570-6A59-946F-1A20636F6A6E}"/>
               </a:ext>
             </a:extLst>
           </p:cNvPr>
@@ -2661,7 +2661,7 @@
           <a:bodyPr/>
           <a:lstStyle/>
           <a:p>
-            <a:fld id="{7E08E43C-C53B-40C3-A414-53885298771D}" type="datetimeFigureOut">
+            <a:fld id="{96BBECC2-4C27-4148-9599-593057B069AB}" type="datetimeFigureOut">
               <a:rPr lang="zh-CN" altLang="en-US" smtClean="0"/>
               <a:t>2024/3/10</a:t>
             </a:fld>
@@ -2674,7 +2674,7 @@
           <p:cNvPr id="6" name="页脚占位符 5">
             <a:extLst>
               <a:ext uri="{FF2B5EF4-FFF2-40B4-BE49-F238E27FC236}">
-                <a16:creationId xmlns:a16="http://schemas.microsoft.com/office/drawing/2014/main" id="{48314230-4942-221D-2960-02B60D6DAE8F}"/>
+                <a16:creationId xmlns:a16="http://schemas.microsoft.com/office/drawing/2014/main" id="{BB64FCC5-C432-87AF-53EE-A0390EB24373}"/>
               </a:ext>
             </a:extLst>
           </p:cNvPr>
@@ -2699,7 +2699,7 @@
           <p:cNvPr id="7" name="灯片编号占位符 6">
             <a:extLst>
               <a:ext uri="{FF2B5EF4-FFF2-40B4-BE49-F238E27FC236}">
-                <a16:creationId xmlns:a16="http://schemas.microsoft.com/office/drawing/2014/main" id="{EB1E79DB-0054-F30C-CF1C-43969B75D689}"/>
+                <a16:creationId xmlns:a16="http://schemas.microsoft.com/office/drawing/2014/main" id="{3DD323A5-FDB8-46F7-2D73-79342936567D}"/>
               </a:ext>
             </a:extLst>
           </p:cNvPr>
@@ -2715,7 +2715,7 @@
           <a:bodyPr/>
           <a:lstStyle/>
           <a:p>
-            <a:fld id="{A0F68656-C00B-4205-AFE1-6D822C58585F}" type="slidenum">
+            <a:fld id="{AC303D7D-BC81-4C93-B979-EC5D05680773}" type="slidenum">
               <a:rPr lang="zh-CN" altLang="en-US" smtClean="0"/>
               <a:t>‹#›</a:t>
             </a:fld>
@@ -2726,7 +2726,7 @@
     </p:spTree>
     <p:extLst>
       <p:ext uri="{BB962C8B-B14F-4D97-AF65-F5344CB8AC3E}">
-        <p14:creationId xmlns:p14="http://schemas.microsoft.com/office/powerpoint/2010/main" val="3955093270"/>
+        <p14:creationId xmlns:p14="http://schemas.microsoft.com/office/powerpoint/2010/main" val="445530914"/>
       </p:ext>
     </p:extLst>
   </p:cSld>
@@ -2763,7 +2763,7 @@
           <p:cNvPr id="2" name="标题占位符 1">
             <a:extLst>
               <a:ext uri="{FF2B5EF4-FFF2-40B4-BE49-F238E27FC236}">
-                <a16:creationId xmlns:a16="http://schemas.microsoft.com/office/drawing/2014/main" id="{96A22311-4E92-25C6-DCCD-12A302970E6B}"/>
+                <a16:creationId xmlns:a16="http://schemas.microsoft.com/office/drawing/2014/main" id="{51973248-F5BA-C183-0A1F-F80B27ADCC96}"/>
               </a:ext>
             </a:extLst>
           </p:cNvPr>
@@ -2801,7 +2801,7 @@
           <p:cNvPr id="3" name="文本占位符 2">
             <a:extLst>
               <a:ext uri="{FF2B5EF4-FFF2-40B4-BE49-F238E27FC236}">
-                <a16:creationId xmlns:a16="http://schemas.microsoft.com/office/drawing/2014/main" id="{00A5AE26-E6BE-62A5-A7B6-C67E4C9E3B56}"/>
+                <a16:creationId xmlns:a16="http://schemas.microsoft.com/office/drawing/2014/main" id="{CCB3B14C-1CD2-CA10-0CD1-579834678511}"/>
               </a:ext>
             </a:extLst>
           </p:cNvPr>
@@ -2868,7 +2868,7 @@
           <p:cNvPr id="4" name="日期占位符 3">
             <a:extLst>
               <a:ext uri="{FF2B5EF4-FFF2-40B4-BE49-F238E27FC236}">
-                <a16:creationId xmlns:a16="http://schemas.microsoft.com/office/drawing/2014/main" id="{09429BE4-345D-1A51-FA35-22192A3D9343}"/>
+                <a16:creationId xmlns:a16="http://schemas.microsoft.com/office/drawing/2014/main" id="{B71BCB14-E725-C598-A054-803695F40246}"/>
               </a:ext>
             </a:extLst>
           </p:cNvPr>
@@ -2902,7 +2902,7 @@
             </a:lvl1pPr>
           </a:lstStyle>
           <a:p>
-            <a:fld id="{7E08E43C-C53B-40C3-A414-53885298771D}" type="datetimeFigureOut">
+            <a:fld id="{96BBECC2-4C27-4148-9599-593057B069AB}" type="datetimeFigureOut">
               <a:rPr lang="zh-CN" altLang="en-US" smtClean="0"/>
               <a:t>2024/3/10</a:t>
             </a:fld>
@@ -2915,7 +2915,7 @@
           <p:cNvPr id="5" name="页脚占位符 4">
             <a:extLst>
               <a:ext uri="{FF2B5EF4-FFF2-40B4-BE49-F238E27FC236}">
-                <a16:creationId xmlns:a16="http://schemas.microsoft.com/office/drawing/2014/main" id="{AD3F2CDB-8343-8765-FB31-4F77A349CAAF}"/>
+                <a16:creationId xmlns:a16="http://schemas.microsoft.com/office/drawing/2014/main" id="{EFE0B8DC-6A28-32BB-E0C3-CC6077348C04}"/>
               </a:ext>
             </a:extLst>
           </p:cNvPr>
@@ -2958,7 +2958,7 @@
           <p:cNvPr id="6" name="灯片编号占位符 5">
             <a:extLst>
               <a:ext uri="{FF2B5EF4-FFF2-40B4-BE49-F238E27FC236}">
-                <a16:creationId xmlns:a16="http://schemas.microsoft.com/office/drawing/2014/main" id="{918A043C-4ED1-7EDC-F7F6-6B65E5F0A02E}"/>
+                <a16:creationId xmlns:a16="http://schemas.microsoft.com/office/drawing/2014/main" id="{F5353AB3-872A-DC71-AD70-D227D7C66B96}"/>
               </a:ext>
             </a:extLst>
           </p:cNvPr>
@@ -2992,7 +2992,7 @@
             </a:lvl1pPr>
           </a:lstStyle>
           <a:p>
-            <a:fld id="{A0F68656-C00B-4205-AFE1-6D822C58585F}" type="slidenum">
+            <a:fld id="{AC303D7D-BC81-4C93-B979-EC5D05680773}" type="slidenum">
               <a:rPr lang="zh-CN" altLang="en-US" smtClean="0"/>
               <a:t>‹#›</a:t>
             </a:fld>
@@ -3003,7 +3003,7 @@
     </p:spTree>
     <p:extLst>
       <p:ext uri="{BB962C8B-B14F-4D97-AF65-F5344CB8AC3E}">
-        <p14:creationId xmlns:p14="http://schemas.microsoft.com/office/powerpoint/2010/main" val="2854899093"/>
+        <p14:creationId xmlns:p14="http://schemas.microsoft.com/office/powerpoint/2010/main" val="108412682"/>
       </p:ext>
     </p:extLst>
   </p:cSld>
@@ -3323,7 +3323,7 @@
       </p:grpSpPr>
       <p:pic>
         <p:nvPicPr>
-          <p:cNvPr id="389122" name="Picture 2" descr="379"/>
+          <p:cNvPr id="390146" name="Picture 2" descr="380"/>
           <p:cNvPicPr>
             <a:picLocks noChangeAspect="1" noChangeArrowheads="1"/>
           </p:cNvPicPr>
